--- a/College lectures/2_classific_testing_lec_v1.pptx
+++ b/College lectures/2_classific_testing_lec_v1.pptx
@@ -213,7 +213,7 @@
           <a:p>
             <a:fld id="{E4BDADE7-6AD1-2142-83B2-D20EC39A6B2D}" type="datetimeFigureOut">
               <a:rPr lang="ru-RU" smtClean="0"/>
-              <a:t>28.01.2022</a:t>
+              <a:t>30.01.2022</a:t>
             </a:fld>
             <a:endParaRPr lang="ru-RU"/>
           </a:p>
@@ -2039,31 +2039,7 @@
                 <a:ea typeface="+mn-ea"/>
                 <a:cs typeface="+mn-cs"/>
               </a:rPr>
-              <a:t>Метод </a:t>
-            </a:r>
-            <a:r>
-              <a:rPr lang="ru-RU" sz="1200" kern="1200" dirty="0" err="1">
-                <a:solidFill>
-                  <a:schemeClr val="tx1"/>
-                </a:solidFill>
-                <a:effectLst/>
-                <a:latin typeface="+mn-lt"/>
-                <a:ea typeface="+mn-ea"/>
-                <a:cs typeface="+mn-cs"/>
-              </a:rPr>
-              <a:t>чёрного</a:t>
-            </a:r>
-            <a:r>
-              <a:rPr lang="ru-RU" sz="1200" kern="1200" dirty="0">
-                <a:solidFill>
-                  <a:schemeClr val="tx1"/>
-                </a:solidFill>
-                <a:effectLst/>
-                <a:latin typeface="+mn-lt"/>
-                <a:ea typeface="+mn-ea"/>
-                <a:cs typeface="+mn-cs"/>
-              </a:rPr>
-              <a:t> ящика — доступа к коду нет.</a:t>
+              <a:t>Метод чёрного ящика — доступа к коду нет.</a:t>
             </a:r>
           </a:p>
           <a:p>
@@ -4169,7 +4145,7 @@
           <a:p>
             <a:fld id="{85305B69-AB7B-B045-8F83-2E1723C122F3}" type="datetimeFigureOut">
               <a:rPr lang="ru-RU" smtClean="0"/>
-              <a:t>28.01.2022</a:t>
+              <a:t>30.01.2022</a:t>
             </a:fld>
             <a:endParaRPr lang="ru-RU"/>
           </a:p>
@@ -4342,7 +4318,7 @@
           <a:p>
             <a:fld id="{85305B69-AB7B-B045-8F83-2E1723C122F3}" type="datetimeFigureOut">
               <a:rPr lang="ru-RU" smtClean="0"/>
-              <a:t>28.01.2022</a:t>
+              <a:t>30.01.2022</a:t>
             </a:fld>
             <a:endParaRPr lang="ru-RU"/>
           </a:p>
@@ -4525,7 +4501,7 @@
           <a:p>
             <a:fld id="{85305B69-AB7B-B045-8F83-2E1723C122F3}" type="datetimeFigureOut">
               <a:rPr lang="ru-RU" smtClean="0"/>
-              <a:t>28.01.2022</a:t>
+              <a:t>30.01.2022</a:t>
             </a:fld>
             <a:endParaRPr lang="ru-RU"/>
           </a:p>
@@ -4698,7 +4674,7 @@
           <a:p>
             <a:fld id="{85305B69-AB7B-B045-8F83-2E1723C122F3}" type="datetimeFigureOut">
               <a:rPr lang="ru-RU" smtClean="0"/>
-              <a:t>28.01.2022</a:t>
+              <a:t>30.01.2022</a:t>
             </a:fld>
             <a:endParaRPr lang="ru-RU"/>
           </a:p>
@@ -4976,7 +4952,7 @@
           <a:p>
             <a:fld id="{85305B69-AB7B-B045-8F83-2E1723C122F3}" type="datetimeFigureOut">
               <a:rPr lang="ru-RU" smtClean="0"/>
-              <a:t>28.01.2022</a:t>
+              <a:t>30.01.2022</a:t>
             </a:fld>
             <a:endParaRPr lang="ru-RU"/>
           </a:p>
@@ -5191,7 +5167,7 @@
           <a:p>
             <a:fld id="{85305B69-AB7B-B045-8F83-2E1723C122F3}" type="datetimeFigureOut">
               <a:rPr lang="ru-RU" smtClean="0"/>
-              <a:t>28.01.2022</a:t>
+              <a:t>30.01.2022</a:t>
             </a:fld>
             <a:endParaRPr lang="ru-RU"/>
           </a:p>
@@ -5559,7 +5535,7 @@
           <a:p>
             <a:fld id="{85305B69-AB7B-B045-8F83-2E1723C122F3}" type="datetimeFigureOut">
               <a:rPr lang="ru-RU" smtClean="0"/>
-              <a:t>28.01.2022</a:t>
+              <a:t>30.01.2022</a:t>
             </a:fld>
             <a:endParaRPr lang="ru-RU"/>
           </a:p>
@@ -5700,7 +5676,7 @@
           <a:p>
             <a:fld id="{85305B69-AB7B-B045-8F83-2E1723C122F3}" type="datetimeFigureOut">
               <a:rPr lang="ru-RU" smtClean="0"/>
-              <a:t>28.01.2022</a:t>
+              <a:t>30.01.2022</a:t>
             </a:fld>
             <a:endParaRPr lang="ru-RU"/>
           </a:p>
@@ -5813,7 +5789,7 @@
           <a:p>
             <a:fld id="{85305B69-AB7B-B045-8F83-2E1723C122F3}" type="datetimeFigureOut">
               <a:rPr lang="ru-RU" smtClean="0"/>
-              <a:t>28.01.2022</a:t>
+              <a:t>30.01.2022</a:t>
             </a:fld>
             <a:endParaRPr lang="ru-RU"/>
           </a:p>
@@ -6102,7 +6078,7 @@
           <a:p>
             <a:fld id="{85305B69-AB7B-B045-8F83-2E1723C122F3}" type="datetimeFigureOut">
               <a:rPr lang="ru-RU" smtClean="0"/>
-              <a:t>28.01.2022</a:t>
+              <a:t>30.01.2022</a:t>
             </a:fld>
             <a:endParaRPr lang="ru-RU"/>
           </a:p>
@@ -6393,7 +6369,7 @@
           <a:p>
             <a:fld id="{85305B69-AB7B-B045-8F83-2E1723C122F3}" type="datetimeFigureOut">
               <a:rPr lang="ru-RU" smtClean="0"/>
-              <a:t>28.01.2022</a:t>
+              <a:t>30.01.2022</a:t>
             </a:fld>
             <a:endParaRPr lang="ru-RU"/>
           </a:p>
@@ -6609,7 +6585,7 @@
           <a:p>
             <a:fld id="{85305B69-AB7B-B045-8F83-2E1723C122F3}" type="datetimeFigureOut">
               <a:rPr lang="ru-RU" smtClean="0"/>
-              <a:t>28.01.2022</a:t>
+              <a:t>30.01.2022</a:t>
             </a:fld>
             <a:endParaRPr lang="ru-RU"/>
           </a:p>
